--- a/Week2_ANOVA/Analysis of Variance.pptx
+++ b/Week2_ANOVA/Analysis of Variance.pptx
@@ -251,7 +251,7 @@
           <a:effectLst/>
           <a:extLst>
             <a:ext uri="{91240B29-F687-4f45-9708-019B960494DF}">
-              <a14:hiddenLine xmlns="" xmlns:a14="http://schemas.microsoft.com/office/drawing/2010/main" w="9525">
+              <a14:hiddenLine xmlns:a14="http://schemas.microsoft.com/office/drawing/2010/main" xmlns="" w="9525">
                 <a:solidFill>
                   <a:srgbClr val="000000"/>
                 </a:solidFill>
@@ -443,7 +443,7 @@
           <a:p>
             <a:fld id="{BA1424CB-6C58-404D-BA48-D1D20FA5D6E9}" type="datetimeFigureOut">
               <a:rPr lang="en-US" smtClean="0"/>
-              <a:t>1/14/2025</a:t>
+              <a:t>5/13/2025</a:t>
             </a:fld>
             <a:endParaRPr lang="en-US"/>
           </a:p>
@@ -761,7 +761,7 @@
           <a:p>
             <a:fld id="{BA1424CB-6C58-404D-BA48-D1D20FA5D6E9}" type="datetimeFigureOut">
               <a:rPr lang="en-US" smtClean="0"/>
-              <a:t>1/14/2025</a:t>
+              <a:t>5/13/2025</a:t>
             </a:fld>
             <a:endParaRPr lang="en-US"/>
           </a:p>
@@ -1249,7 +1249,7 @@
           <a:p>
             <a:fld id="{BA1424CB-6C58-404D-BA48-D1D20FA5D6E9}" type="datetimeFigureOut">
               <a:rPr lang="en-US" smtClean="0"/>
-              <a:t>1/14/2025</a:t>
+              <a:t>5/13/2025</a:t>
             </a:fld>
             <a:endParaRPr lang="en-US"/>
           </a:p>
@@ -1618,7 +1618,7 @@
           <a:p>
             <a:fld id="{BA1424CB-6C58-404D-BA48-D1D20FA5D6E9}" type="datetimeFigureOut">
               <a:rPr lang="en-US" smtClean="0"/>
-              <a:t>1/14/2025</a:t>
+              <a:t>5/13/2025</a:t>
             </a:fld>
             <a:endParaRPr lang="en-US"/>
           </a:p>
@@ -1773,7 +1773,7 @@
           <a:ln/>
           <a:extLst>
             <a:ext uri="{91240B29-F687-4f45-9708-019B960494DF}">
-              <a14:hiddenLine xmlns="" xmlns:a14="http://schemas.microsoft.com/office/drawing/2010/main" w="9525">
+              <a14:hiddenLine xmlns:a14="http://schemas.microsoft.com/office/drawing/2010/main" xmlns="" w="9525">
                 <a:solidFill>
                   <a:srgbClr val="000000"/>
                 </a:solidFill>
@@ -1891,7 +1891,7 @@
           <a:p>
             <a:fld id="{BA1424CB-6C58-404D-BA48-D1D20FA5D6E9}" type="datetimeFigureOut">
               <a:rPr lang="en-US" smtClean="0"/>
-              <a:t>1/14/2025</a:t>
+              <a:t>5/13/2025</a:t>
             </a:fld>
             <a:endParaRPr lang="en-US"/>
           </a:p>
@@ -2048,7 +2048,7 @@
           <a:ln/>
           <a:extLst>
             <a:ext uri="{91240B29-F687-4f45-9708-019B960494DF}">
-              <a14:hiddenLine xmlns="" xmlns:a14="http://schemas.microsoft.com/office/drawing/2010/main" w="9525">
+              <a14:hiddenLine xmlns:a14="http://schemas.microsoft.com/office/drawing/2010/main" xmlns="" w="9525">
                 <a:solidFill>
                   <a:srgbClr val="000000"/>
                 </a:solidFill>
@@ -2176,7 +2176,7 @@
           <a:p>
             <a:fld id="{BA1424CB-6C58-404D-BA48-D1D20FA5D6E9}" type="datetimeFigureOut">
               <a:rPr lang="en-US" smtClean="0"/>
-              <a:t>1/14/2025</a:t>
+              <a:t>5/13/2025</a:t>
             </a:fld>
             <a:endParaRPr lang="en-US"/>
           </a:p>
@@ -2331,7 +2331,7 @@
           <a:ln/>
           <a:extLst>
             <a:ext uri="{91240B29-F687-4f45-9708-019B960494DF}">
-              <a14:hiddenLine xmlns="" xmlns:a14="http://schemas.microsoft.com/office/drawing/2010/main" w="9525">
+              <a14:hiddenLine xmlns:a14="http://schemas.microsoft.com/office/drawing/2010/main" xmlns="" w="9525">
                 <a:solidFill>
                   <a:srgbClr val="000000"/>
                 </a:solidFill>
@@ -2459,7 +2459,7 @@
           <a:p>
             <a:fld id="{BA1424CB-6C58-404D-BA48-D1D20FA5D6E9}" type="datetimeFigureOut">
               <a:rPr lang="en-US" smtClean="0"/>
-              <a:t>1/14/2025</a:t>
+              <a:t>5/13/2025</a:t>
             </a:fld>
             <a:endParaRPr lang="en-US"/>
           </a:p>
@@ -2802,7 +2802,7 @@
           <a:p>
             <a:fld id="{BA1424CB-6C58-404D-BA48-D1D20FA5D6E9}" type="datetimeFigureOut">
               <a:rPr lang="en-US" smtClean="0"/>
-              <a:t>1/14/2025</a:t>
+              <a:t>5/13/2025</a:t>
             </a:fld>
             <a:endParaRPr lang="en-US"/>
           </a:p>
@@ -2957,7 +2957,7 @@
           <a:ln/>
           <a:extLst>
             <a:ext uri="{91240B29-F687-4f45-9708-019B960494DF}">
-              <a14:hiddenLine xmlns="" xmlns:a14="http://schemas.microsoft.com/office/drawing/2010/main" w="9525">
+              <a14:hiddenLine xmlns:a14="http://schemas.microsoft.com/office/drawing/2010/main" xmlns="" w="9525">
                 <a:solidFill>
                   <a:srgbClr val="000000"/>
                 </a:solidFill>
@@ -3141,7 +3141,7 @@
           <a:p>
             <a:fld id="{BA1424CB-6C58-404D-BA48-D1D20FA5D6E9}" type="datetimeFigureOut">
               <a:rPr lang="en-US" smtClean="0"/>
-              <a:t>1/14/2025</a:t>
+              <a:t>5/13/2025</a:t>
             </a:fld>
             <a:endParaRPr lang="en-US"/>
           </a:p>
@@ -3296,7 +3296,7 @@
           <a:ln/>
           <a:extLst>
             <a:ext uri="{91240B29-F687-4f45-9708-019B960494DF}">
-              <a14:hiddenLine xmlns="" xmlns:a14="http://schemas.microsoft.com/office/drawing/2010/main" w="9525">
+              <a14:hiddenLine xmlns:a14="http://schemas.microsoft.com/office/drawing/2010/main" xmlns="" w="9525">
                 <a:solidFill>
                   <a:srgbClr val="000000"/>
                 </a:solidFill>
@@ -3618,7 +3618,7 @@
           <a:p>
             <a:fld id="{BA1424CB-6C58-404D-BA48-D1D20FA5D6E9}" type="datetimeFigureOut">
               <a:rPr lang="en-US" smtClean="0"/>
-              <a:t>1/14/2025</a:t>
+              <a:t>5/13/2025</a:t>
             </a:fld>
             <a:endParaRPr lang="en-US"/>
           </a:p>
@@ -3773,7 +3773,7 @@
           <a:ln/>
           <a:extLst>
             <a:ext uri="{91240B29-F687-4f45-9708-019B960494DF}">
-              <a14:hiddenLine xmlns="" xmlns:a14="http://schemas.microsoft.com/office/drawing/2010/main" w="9525">
+              <a14:hiddenLine xmlns:a14="http://schemas.microsoft.com/office/drawing/2010/main" xmlns="" w="9525">
                 <a:solidFill>
                   <a:srgbClr val="000000"/>
                 </a:solidFill>
@@ -3839,7 +3839,7 @@
           <a:p>
             <a:fld id="{BA1424CB-6C58-404D-BA48-D1D20FA5D6E9}" type="datetimeFigureOut">
               <a:rPr lang="en-US" smtClean="0"/>
-              <a:t>1/14/2025</a:t>
+              <a:t>5/13/2025</a:t>
             </a:fld>
             <a:endParaRPr lang="en-US"/>
           </a:p>
@@ -3934,7 +3934,7 @@
           <a:p>
             <a:fld id="{BA1424CB-6C58-404D-BA48-D1D20FA5D6E9}" type="datetimeFigureOut">
               <a:rPr lang="en-US" smtClean="0"/>
-              <a:t>1/14/2025</a:t>
+              <a:t>5/13/2025</a:t>
             </a:fld>
             <a:endParaRPr lang="en-US"/>
           </a:p>
@@ -4202,7 +4202,7 @@
           <a:ln/>
           <a:extLst>
             <a:ext uri="{91240B29-F687-4f45-9708-019B960494DF}">
-              <a14:hiddenLine xmlns="" xmlns:a14="http://schemas.microsoft.com/office/drawing/2010/main" w="9525">
+              <a14:hiddenLine xmlns:a14="http://schemas.microsoft.com/office/drawing/2010/main" xmlns="" w="9525">
                 <a:solidFill>
                   <a:srgbClr val="000000"/>
                 </a:solidFill>
@@ -4401,7 +4401,7 @@
           <a:p>
             <a:fld id="{BA1424CB-6C58-404D-BA48-D1D20FA5D6E9}" type="datetimeFigureOut">
               <a:rPr lang="en-US" smtClean="0"/>
-              <a:t>1/14/2025</a:t>
+              <a:t>5/13/2025</a:t>
             </a:fld>
             <a:endParaRPr lang="en-US"/>
           </a:p>
@@ -4714,7 +4714,7 @@
           <a:p>
             <a:fld id="{BA1424CB-6C58-404D-BA48-D1D20FA5D6E9}" type="datetimeFigureOut">
               <a:rPr lang="en-US" smtClean="0"/>
-              <a:t>1/14/2025</a:t>
+              <a:t>5/13/2025</a:t>
             </a:fld>
             <a:endParaRPr lang="en-US"/>
           </a:p>
@@ -4984,7 +4984,7 @@
           <a:p>
             <a:fld id="{BA1424CB-6C58-404D-BA48-D1D20FA5D6E9}" type="datetimeFigureOut">
               <a:rPr lang="en-US" smtClean="0"/>
-              <a:t>1/14/2025</a:t>
+              <a:t>5/13/2025</a:t>
             </a:fld>
             <a:endParaRPr lang="en-US"/>
           </a:p>
@@ -6060,7 +6060,29 @@
                 <a:latin typeface="Times New Roman" panose="02020603050405020304" pitchFamily="18" charset="0"/>
                 <a:cs typeface="Times New Roman" panose="02020603050405020304" pitchFamily="18" charset="0"/>
               </a:rPr>
-              <a:t>Sum of the squares total: </a:t>
+              <a:t>Sum of the squares </a:t>
+            </a:r>
+            <a:r>
+              <a:rPr lang="en-US" sz="2200" dirty="0">
+                <a:solidFill>
+                  <a:schemeClr val="accent1">
+                    <a:lumMod val="75000"/>
+                  </a:schemeClr>
+                </a:solidFill>
+                <a:latin typeface="Times New Roman" panose="02020603050405020304" pitchFamily="18" charset="0"/>
+                <a:cs typeface="Times New Roman" panose="02020603050405020304" pitchFamily="18" charset="0"/>
+              </a:rPr>
+              <a:t>total</a:t>
+            </a:r>
+            <a:r>
+              <a:rPr lang="en-US" sz="2200" dirty="0">
+                <a:solidFill>
+                  <a:srgbClr val="FF0000"/>
+                </a:solidFill>
+                <a:latin typeface="Times New Roman" panose="02020603050405020304" pitchFamily="18" charset="0"/>
+                <a:cs typeface="Times New Roman" panose="02020603050405020304" pitchFamily="18" charset="0"/>
+              </a:rPr>
+              <a:t>: </a:t>
             </a:r>
             <a:r>
               <a:rPr lang="en-US" sz="2400" dirty="0">
@@ -6077,7 +6099,51 @@
                 <a:latin typeface="Times New Roman" panose="02020603050405020304" pitchFamily="18" charset="0"/>
                 <a:cs typeface="Times New Roman" panose="02020603050405020304" pitchFamily="18" charset="0"/>
               </a:rPr>
-              <a:t>between each of the observations and the grand mean of all observations. </a:t>
+              <a:t>between </a:t>
+            </a:r>
+            <a:r>
+              <a:rPr lang="en-US" sz="2400" dirty="0">
+                <a:solidFill>
+                  <a:schemeClr val="accent1">
+                    <a:lumMod val="75000"/>
+                  </a:schemeClr>
+                </a:solidFill>
+                <a:latin typeface="Times New Roman" panose="02020603050405020304" pitchFamily="18" charset="0"/>
+                <a:cs typeface="Times New Roman" panose="02020603050405020304" pitchFamily="18" charset="0"/>
+              </a:rPr>
+              <a:t>each of the observations </a:t>
+            </a:r>
+            <a:r>
+              <a:rPr lang="en-US" sz="2400" dirty="0">
+                <a:solidFill>
+                  <a:srgbClr val="FF0000"/>
+                </a:solidFill>
+                <a:latin typeface="Times New Roman" panose="02020603050405020304" pitchFamily="18" charset="0"/>
+                <a:cs typeface="Times New Roman" panose="02020603050405020304" pitchFamily="18" charset="0"/>
+              </a:rPr>
+              <a:t>and the grand </a:t>
+            </a:r>
+            <a:r>
+              <a:rPr lang="en-US" sz="2400" dirty="0">
+                <a:solidFill>
+                  <a:schemeClr val="accent1">
+                    <a:lumMod val="75000"/>
+                  </a:schemeClr>
+                </a:solidFill>
+                <a:latin typeface="Times New Roman" panose="02020603050405020304" pitchFamily="18" charset="0"/>
+                <a:cs typeface="Times New Roman" panose="02020603050405020304" pitchFamily="18" charset="0"/>
+              </a:rPr>
+              <a:t>mean of all observations</a:t>
+            </a:r>
+            <a:r>
+              <a:rPr lang="en-US" sz="2400" dirty="0">
+                <a:solidFill>
+                  <a:srgbClr val="FF0000"/>
+                </a:solidFill>
+                <a:latin typeface="Times New Roman" panose="02020603050405020304" pitchFamily="18" charset="0"/>
+                <a:cs typeface="Times New Roman" panose="02020603050405020304" pitchFamily="18" charset="0"/>
+              </a:rPr>
+              <a:t>. </a:t>
             </a:r>
           </a:p>
           <a:p>
@@ -6090,10 +6156,22 @@
                 <a:latin typeface="Times New Roman" panose="02020603050405020304" pitchFamily="18" charset="0"/>
                 <a:cs typeface="Times New Roman" panose="02020603050405020304" pitchFamily="18" charset="0"/>
               </a:rPr>
-              <a:t>Sum of the squares between</a:t>
+              <a:t>Sum of the squares </a:t>
             </a:r>
             <a:r>
               <a:rPr lang="en-US" sz="2200" dirty="0">
+                <a:solidFill>
+                  <a:schemeClr val="accent1">
+                    <a:lumMod val="75000"/>
+                  </a:schemeClr>
+                </a:solidFill>
+                <a:latin typeface="Times New Roman" panose="02020603050405020304" pitchFamily="18" charset="0"/>
+                <a:cs typeface="Times New Roman" panose="02020603050405020304" pitchFamily="18" charset="0"/>
+              </a:rPr>
+              <a:t>between</a:t>
+            </a:r>
+            <a:r>
+              <a:rPr lang="en-US" sz="2200" dirty="0">
                 <a:latin typeface="Times New Roman" panose="02020603050405020304" pitchFamily="18" charset="0"/>
                 <a:cs typeface="Times New Roman" panose="02020603050405020304" pitchFamily="18" charset="0"/>
               </a:rPr>
@@ -6114,7 +6192,29 @@
                 <a:latin typeface="Times New Roman" panose="02020603050405020304" pitchFamily="18" charset="0"/>
                 <a:cs typeface="Times New Roman" panose="02020603050405020304" pitchFamily="18" charset="0"/>
               </a:rPr>
-              <a:t>between each of the group mean and the grand mean of all observations. </a:t>
+              <a:t>between </a:t>
+            </a:r>
+            <a:r>
+              <a:rPr lang="en-US" sz="2400" dirty="0">
+                <a:solidFill>
+                  <a:schemeClr val="accent1">
+                    <a:lumMod val="75000"/>
+                  </a:schemeClr>
+                </a:solidFill>
+                <a:latin typeface="Times New Roman" panose="02020603050405020304" pitchFamily="18" charset="0"/>
+                <a:cs typeface="Times New Roman" panose="02020603050405020304" pitchFamily="18" charset="0"/>
+              </a:rPr>
+              <a:t>each of the group </a:t>
+            </a:r>
+            <a:r>
+              <a:rPr lang="en-US" sz="2400" dirty="0">
+                <a:solidFill>
+                  <a:srgbClr val="FF0000"/>
+                </a:solidFill>
+                <a:latin typeface="Times New Roman" panose="02020603050405020304" pitchFamily="18" charset="0"/>
+                <a:cs typeface="Times New Roman" panose="02020603050405020304" pitchFamily="18" charset="0"/>
+              </a:rPr>
+              <a:t>mean and the grand mean of all observations. </a:t>
             </a:r>
           </a:p>
           <a:p>
@@ -6127,10 +6227,22 @@
                 <a:latin typeface="Times New Roman" panose="02020603050405020304" pitchFamily="18" charset="0"/>
                 <a:cs typeface="Times New Roman" panose="02020603050405020304" pitchFamily="18" charset="0"/>
               </a:rPr>
-              <a:t>Sum of the squares within</a:t>
+              <a:t>Sum of the squares </a:t>
             </a:r>
             <a:r>
               <a:rPr lang="en-US" sz="2200" dirty="0">
+                <a:solidFill>
+                  <a:schemeClr val="accent1">
+                    <a:lumMod val="75000"/>
+                  </a:schemeClr>
+                </a:solidFill>
+                <a:latin typeface="Times New Roman" panose="02020603050405020304" pitchFamily="18" charset="0"/>
+                <a:cs typeface="Times New Roman" panose="02020603050405020304" pitchFamily="18" charset="0"/>
+              </a:rPr>
+              <a:t>within</a:t>
+            </a:r>
+            <a:r>
+              <a:rPr lang="en-US" sz="2200" dirty="0">
                 <a:latin typeface="Times New Roman" panose="02020603050405020304" pitchFamily="18" charset="0"/>
                 <a:cs typeface="Times New Roman" panose="02020603050405020304" pitchFamily="18" charset="0"/>
               </a:rPr>
@@ -6151,7 +6263,51 @@
                 <a:latin typeface="Times New Roman" panose="02020603050405020304" pitchFamily="18" charset="0"/>
                 <a:cs typeface="Times New Roman" panose="02020603050405020304" pitchFamily="18" charset="0"/>
               </a:rPr>
-              <a:t>between each of the observation and its respective group mean.</a:t>
+              <a:t>between </a:t>
+            </a:r>
+            <a:r>
+              <a:rPr lang="en-US" sz="2400" dirty="0">
+                <a:solidFill>
+                  <a:schemeClr val="accent1">
+                    <a:lumMod val="75000"/>
+                  </a:schemeClr>
+                </a:solidFill>
+                <a:latin typeface="Times New Roman" panose="02020603050405020304" pitchFamily="18" charset="0"/>
+                <a:cs typeface="Times New Roman" panose="02020603050405020304" pitchFamily="18" charset="0"/>
+              </a:rPr>
+              <a:t>each of the observation </a:t>
+            </a:r>
+            <a:r>
+              <a:rPr lang="en-US" sz="2400" dirty="0">
+                <a:solidFill>
+                  <a:srgbClr val="FF0000"/>
+                </a:solidFill>
+                <a:latin typeface="Times New Roman" panose="02020603050405020304" pitchFamily="18" charset="0"/>
+                <a:cs typeface="Times New Roman" panose="02020603050405020304" pitchFamily="18" charset="0"/>
+              </a:rPr>
+              <a:t>and its </a:t>
+            </a:r>
+            <a:r>
+              <a:rPr lang="en-US" sz="2400" dirty="0">
+                <a:solidFill>
+                  <a:schemeClr val="accent1">
+                    <a:lumMod val="75000"/>
+                  </a:schemeClr>
+                </a:solidFill>
+                <a:latin typeface="Times New Roman" panose="02020603050405020304" pitchFamily="18" charset="0"/>
+                <a:cs typeface="Times New Roman" panose="02020603050405020304" pitchFamily="18" charset="0"/>
+              </a:rPr>
+              <a:t>respective group mean</a:t>
+            </a:r>
+            <a:r>
+              <a:rPr lang="en-US" sz="2400" dirty="0">
+                <a:solidFill>
+                  <a:srgbClr val="FF0000"/>
+                </a:solidFill>
+                <a:latin typeface="Times New Roman" panose="02020603050405020304" pitchFamily="18" charset="0"/>
+                <a:cs typeface="Times New Roman" panose="02020603050405020304" pitchFamily="18" charset="0"/>
+              </a:rPr>
+              <a:t>.</a:t>
             </a:r>
           </a:p>
         </p:txBody>
@@ -6263,7 +6419,64 @@
                 <a:latin typeface="Times New Roman" panose="02020603050405020304" pitchFamily="18" charset="0"/>
                 <a:cs typeface="Times New Roman" panose="02020603050405020304" pitchFamily="18" charset="0"/>
               </a:rPr>
-              <a:t>	Sum of the squares total = Sum of the squares between + Sum of the squares within.</a:t>
+              <a:t>	Sum of the squares </a:t>
+            </a:r>
+            <a:r>
+              <a:rPr lang="en-US" sz="2400" dirty="0">
+                <a:solidFill>
+                  <a:schemeClr val="accent1">
+                    <a:lumMod val="75000"/>
+                  </a:schemeClr>
+                </a:solidFill>
+                <a:latin typeface="Times New Roman" panose="02020603050405020304" pitchFamily="18" charset="0"/>
+                <a:cs typeface="Times New Roman" panose="02020603050405020304" pitchFamily="18" charset="0"/>
+              </a:rPr>
+              <a:t>total</a:t>
+            </a:r>
+            <a:r>
+              <a:rPr lang="en-US" sz="2400" dirty="0">
+                <a:latin typeface="Times New Roman" panose="02020603050405020304" pitchFamily="18" charset="0"/>
+                <a:cs typeface="Times New Roman" panose="02020603050405020304" pitchFamily="18" charset="0"/>
+              </a:rPr>
+              <a:t> = Sum of the squares </a:t>
+            </a:r>
+            <a:r>
+              <a:rPr lang="en-US" sz="2400" dirty="0">
+                <a:solidFill>
+                  <a:schemeClr val="accent1">
+                    <a:lumMod val="75000"/>
+                  </a:schemeClr>
+                </a:solidFill>
+                <a:latin typeface="Times New Roman" panose="02020603050405020304" pitchFamily="18" charset="0"/>
+                <a:cs typeface="Times New Roman" panose="02020603050405020304" pitchFamily="18" charset="0"/>
+              </a:rPr>
+              <a:t>between</a:t>
+            </a:r>
+            <a:r>
+              <a:rPr lang="en-US" sz="2400" dirty="0">
+                <a:latin typeface="Times New Roman" panose="02020603050405020304" pitchFamily="18" charset="0"/>
+                <a:cs typeface="Times New Roman" panose="02020603050405020304" pitchFamily="18" charset="0"/>
+              </a:rPr>
+              <a:t> + Sum of the squares </a:t>
+            </a:r>
+            <a:r>
+              <a:rPr lang="en-US" sz="2400" dirty="0">
+                <a:solidFill>
+                  <a:schemeClr val="accent1">
+                    <a:lumMod val="75000"/>
+                  </a:schemeClr>
+                </a:solidFill>
+                <a:latin typeface="Times New Roman" panose="02020603050405020304" pitchFamily="18" charset="0"/>
+                <a:cs typeface="Times New Roman" panose="02020603050405020304" pitchFamily="18" charset="0"/>
+              </a:rPr>
+              <a:t>within</a:t>
+            </a:r>
+            <a:r>
+              <a:rPr lang="en-US" sz="2400" dirty="0">
+                <a:latin typeface="Times New Roman" panose="02020603050405020304" pitchFamily="18" charset="0"/>
+                <a:cs typeface="Times New Roman" panose="02020603050405020304" pitchFamily="18" charset="0"/>
+              </a:rPr>
+              <a:t>.</a:t>
             </a:r>
           </a:p>
           <a:p>
@@ -6473,16 +6686,92 @@
                 <a:latin typeface="Times New Roman" panose="02020603050405020304" pitchFamily="18" charset="0"/>
                 <a:cs typeface="Times New Roman" panose="02020603050405020304" pitchFamily="18" charset="0"/>
               </a:rPr>
-              <a:t>If variability between is greater than the variability within, that means the statistic will be greater than one: what does that mean?</a:t>
-            </a:r>
-          </a:p>
-          <a:p>
-            <a:r>
-              <a:rPr lang="en-US" sz="2400" dirty="0">
-                <a:latin typeface="Times New Roman" panose="02020603050405020304" pitchFamily="18" charset="0"/>
-                <a:cs typeface="Times New Roman" panose="02020603050405020304" pitchFamily="18" charset="0"/>
-              </a:rPr>
-              <a:t>If variability between is smaller than the variability within, the result will be less than one: what does that mean? </a:t>
+              <a:t>If variability </a:t>
+            </a:r>
+            <a:r>
+              <a:rPr lang="en-US" sz="2400" dirty="0">
+                <a:solidFill>
+                  <a:schemeClr val="accent1">
+                    <a:lumMod val="75000"/>
+                  </a:schemeClr>
+                </a:solidFill>
+                <a:latin typeface="Times New Roman" panose="02020603050405020304" pitchFamily="18" charset="0"/>
+                <a:cs typeface="Times New Roman" panose="02020603050405020304" pitchFamily="18" charset="0"/>
+              </a:rPr>
+              <a:t>between</a:t>
+            </a:r>
+            <a:r>
+              <a:rPr lang="en-US" sz="2400" dirty="0">
+                <a:latin typeface="Times New Roman" panose="02020603050405020304" pitchFamily="18" charset="0"/>
+                <a:cs typeface="Times New Roman" panose="02020603050405020304" pitchFamily="18" charset="0"/>
+              </a:rPr>
+              <a:t> is greater than the variability </a:t>
+            </a:r>
+            <a:r>
+              <a:rPr lang="en-US" sz="2400" dirty="0">
+                <a:solidFill>
+                  <a:schemeClr val="accent1">
+                    <a:lumMod val="75000"/>
+                  </a:schemeClr>
+                </a:solidFill>
+                <a:latin typeface="Times New Roman" panose="02020603050405020304" pitchFamily="18" charset="0"/>
+                <a:cs typeface="Times New Roman" panose="02020603050405020304" pitchFamily="18" charset="0"/>
+              </a:rPr>
+              <a:t>within</a:t>
+            </a:r>
+            <a:r>
+              <a:rPr lang="en-US" sz="2400" dirty="0">
+                <a:latin typeface="Times New Roman" panose="02020603050405020304" pitchFamily="18" charset="0"/>
+                <a:cs typeface="Times New Roman" panose="02020603050405020304" pitchFamily="18" charset="0"/>
+              </a:rPr>
+              <a:t>, that means the statistic will be greater than one: what does that mean?</a:t>
+            </a:r>
+          </a:p>
+          <a:p>
+            <a:r>
+              <a:rPr lang="en-US" sz="2400" dirty="0">
+                <a:latin typeface="Times New Roman" panose="02020603050405020304" pitchFamily="18" charset="0"/>
+                <a:cs typeface="Times New Roman" panose="02020603050405020304" pitchFamily="18" charset="0"/>
+              </a:rPr>
+              <a:t>If variability </a:t>
+            </a:r>
+            <a:r>
+              <a:rPr lang="en-US" sz="2400" dirty="0">
+                <a:solidFill>
+                  <a:schemeClr val="accent1">
+                    <a:lumMod val="75000"/>
+                  </a:schemeClr>
+                </a:solidFill>
+                <a:latin typeface="Times New Roman" panose="02020603050405020304" pitchFamily="18" charset="0"/>
+                <a:cs typeface="Times New Roman" panose="02020603050405020304" pitchFamily="18" charset="0"/>
+              </a:rPr>
+              <a:t>between</a:t>
+            </a:r>
+            <a:r>
+              <a:rPr lang="en-US" sz="2400" dirty="0">
+                <a:latin typeface="Times New Roman" panose="02020603050405020304" pitchFamily="18" charset="0"/>
+                <a:cs typeface="Times New Roman" panose="02020603050405020304" pitchFamily="18" charset="0"/>
+              </a:rPr>
+              <a:t> is smaller than the variability </a:t>
+            </a:r>
+            <a:r>
+              <a:rPr lang="en-US" sz="2400" dirty="0">
+                <a:solidFill>
+                  <a:schemeClr val="accent1">
+                    <a:lumMod val="75000"/>
+                  </a:schemeClr>
+                </a:solidFill>
+                <a:latin typeface="Times New Roman" panose="02020603050405020304" pitchFamily="18" charset="0"/>
+                <a:cs typeface="Times New Roman" panose="02020603050405020304" pitchFamily="18" charset="0"/>
+              </a:rPr>
+              <a:t>within</a:t>
+            </a:r>
+            <a:r>
+              <a:rPr lang="en-US" sz="2400" dirty="0">
+                <a:latin typeface="Times New Roman" panose="02020603050405020304" pitchFamily="18" charset="0"/>
+                <a:cs typeface="Times New Roman" panose="02020603050405020304" pitchFamily="18" charset="0"/>
+              </a:rPr>
+              <a:t>, the result will be less than one: what does that mean? </a:t>
             </a:r>
             <a:endParaRPr lang="en-US" sz="2200" dirty="0">
               <a:latin typeface="Times New Roman" panose="02020603050405020304" pitchFamily="18" charset="0"/>
@@ -6607,19 +6896,43 @@
           <a:p>
             <a:r>
               <a:rPr lang="en-US" sz="2400" dirty="0">
-                <a:latin typeface="Times New Roman" panose="02020603050405020304" pitchFamily="18" charset="0"/>
-                <a:cs typeface="Times New Roman" panose="02020603050405020304" pitchFamily="18" charset="0"/>
-              </a:rPr>
-              <a:t>Statistical Conclusion: We check the observed (F) to see if it falls in the rejection area, and make the conclusion. The conclusion can be either “reject the null hypothesis” or “fail to reject the null hypothesis”. </a:t>
-            </a:r>
-          </a:p>
-          <a:p>
-            <a:r>
-              <a:rPr lang="en-US" sz="2400" dirty="0">
-                <a:latin typeface="Times New Roman" panose="02020603050405020304" pitchFamily="18" charset="0"/>
-                <a:cs typeface="Times New Roman" panose="02020603050405020304" pitchFamily="18" charset="0"/>
-              </a:rPr>
-              <a:t>Research conclusion: based on our original research question, we make conclusion which will be stated in terms relating to it. For example, when having more sugar, individual tends to gain weights. </a:t>
+                <a:solidFill>
+                  <a:schemeClr val="accent1">
+                    <a:lumMod val="75000"/>
+                  </a:schemeClr>
+                </a:solidFill>
+                <a:latin typeface="Times New Roman" panose="02020603050405020304" pitchFamily="18" charset="0"/>
+                <a:cs typeface="Times New Roman" panose="02020603050405020304" pitchFamily="18" charset="0"/>
+              </a:rPr>
+              <a:t>Statistical Conclusion</a:t>
+            </a:r>
+            <a:r>
+              <a:rPr lang="en-US" sz="2400" dirty="0">
+                <a:latin typeface="Times New Roman" panose="02020603050405020304" pitchFamily="18" charset="0"/>
+                <a:cs typeface="Times New Roman" panose="02020603050405020304" pitchFamily="18" charset="0"/>
+              </a:rPr>
+              <a:t>: We check the observed (F) to see if it falls in the rejection area, and make the conclusion. The conclusion can be either “reject the null hypothesis” or “fail to reject the null hypothesis”. </a:t>
+            </a:r>
+          </a:p>
+          <a:p>
+            <a:r>
+              <a:rPr lang="en-US" sz="2400" dirty="0">
+                <a:solidFill>
+                  <a:schemeClr val="accent1">
+                    <a:lumMod val="75000"/>
+                  </a:schemeClr>
+                </a:solidFill>
+                <a:latin typeface="Times New Roman" panose="02020603050405020304" pitchFamily="18" charset="0"/>
+                <a:cs typeface="Times New Roman" panose="02020603050405020304" pitchFamily="18" charset="0"/>
+              </a:rPr>
+              <a:t>Research conclusion</a:t>
+            </a:r>
+            <a:r>
+              <a:rPr lang="en-US" sz="2400" dirty="0">
+                <a:latin typeface="Times New Roman" panose="02020603050405020304" pitchFamily="18" charset="0"/>
+                <a:cs typeface="Times New Roman" panose="02020603050405020304" pitchFamily="18" charset="0"/>
+              </a:rPr>
+              <a:t>: based on our original research question, we make conclusion which will be stated in terms relating to it. For example, when having more sugar, individual tends to gain weights. </a:t>
             </a:r>
             <a:endParaRPr lang="en-US" sz="2200" dirty="0">
               <a:latin typeface="Times New Roman" panose="02020603050405020304" pitchFamily="18" charset="0"/>
@@ -8052,7 +8365,15 @@
             <a:pPr lvl="1"/>
             <a:r>
               <a:rPr lang="en-US" dirty="0"/>
-              <a:t>Used to compare the means of two independent groups.</a:t>
+              <a:t>Used to compare the means of </a:t>
+            </a:r>
+            <a:r>
+              <a:rPr lang="en-US" b="1" dirty="0"/>
+              <a:t>two independent groups</a:t>
+            </a:r>
+            <a:r>
+              <a:rPr lang="en-US" dirty="0"/>
+              <a:t>.</a:t>
             </a:r>
           </a:p>
           <a:p>
@@ -8072,14 +8393,30 @@
             <a:pPr lvl="1"/>
             <a:r>
               <a:rPr lang="en-US" dirty="0"/>
-              <a:t>Used when the two groups are related or matched in some way.</a:t>
+              <a:t>Used when the two groups are </a:t>
+            </a:r>
+            <a:r>
+              <a:rPr lang="en-US" b="1" dirty="0"/>
+              <a:t>related or matched in some way</a:t>
+            </a:r>
+            <a:r>
+              <a:rPr lang="en-US" dirty="0"/>
+              <a:t>.</a:t>
             </a:r>
           </a:p>
           <a:p>
             <a:pPr lvl="1"/>
             <a:r>
               <a:rPr lang="en-US" dirty="0"/>
-              <a:t>Example: Comparing the blood pressure of patients before and after treatment.</a:t>
+              <a:t>Example: Comparing the blood pressure of patients </a:t>
+            </a:r>
+            <a:r>
+              <a:rPr lang="en-US" b="1" dirty="0"/>
+              <a:t>before and after </a:t>
+            </a:r>
+            <a:r>
+              <a:rPr lang="en-US" dirty="0"/>
+              <a:t>treatment.</a:t>
             </a:r>
           </a:p>
           <a:p>
@@ -8092,7 +8429,15 @@
             <a:pPr lvl="1"/>
             <a:r>
               <a:rPr lang="en-US" dirty="0"/>
-              <a:t>Compares the mean of a single sample to a known value or theoretical mean.</a:t>
+              <a:t>Compares the mean of </a:t>
+            </a:r>
+            <a:r>
+              <a:rPr lang="en-US" b="1" dirty="0"/>
+              <a:t>a single sample to a known value or theoretical mean</a:t>
+            </a:r>
+            <a:r>
+              <a:rPr lang="en-US" dirty="0"/>
+              <a:t>.</a:t>
             </a:r>
           </a:p>
           <a:p>
@@ -9023,6 +9368,11 @@
             </a:pPr>
             <a:r>
               <a:rPr lang="en-US" sz="2400" dirty="0">
+                <a:solidFill>
+                  <a:schemeClr val="accent5">
+                    <a:lumMod val="75000"/>
+                  </a:schemeClr>
+                </a:solidFill>
                 <a:latin typeface="Times New Roman" panose="02020603050405020304" pitchFamily="18" charset="0"/>
                 <a:cs typeface="Times New Roman" panose="02020603050405020304" pitchFamily="18" charset="0"/>
               </a:rPr>
@@ -10781,16 +11131,84 @@
                 <a:latin typeface="Times New Roman" panose="02020603050405020304" pitchFamily="18" charset="0"/>
                 <a:cs typeface="Times New Roman" panose="02020603050405020304" pitchFamily="18" charset="0"/>
               </a:rPr>
-              <a:t>While simple tests (like t-tests) are useful (and the best way to go in many situations), most systems we want to examine in the real world have more than two levels and likely contain more than two factors.</a:t>
-            </a:r>
-          </a:p>
-          <a:p>
-            <a:r>
-              <a:rPr lang="en-US" sz="2400" dirty="0">
-                <a:latin typeface="Times New Roman" panose="02020603050405020304" pitchFamily="18" charset="0"/>
-                <a:cs typeface="Times New Roman" panose="02020603050405020304" pitchFamily="18" charset="0"/>
-              </a:rPr>
-              <a:t>ANOVA is one type of statistical model that can handle: Predictors with multiple levels, multiple predictors, interactions between predictors, and as will see towards later in this course it can deal with designs containing random and nested factors (repeated measurement).</a:t>
+              <a:t>While simple tests (like t-tests) </a:t>
+            </a:r>
+            <a:r>
+              <a:rPr lang="en-US" sz="2400" dirty="0">
+                <a:solidFill>
+                  <a:srgbClr val="FF0000"/>
+                </a:solidFill>
+                <a:latin typeface="Times New Roman" panose="02020603050405020304" pitchFamily="18" charset="0"/>
+                <a:cs typeface="Times New Roman" panose="02020603050405020304" pitchFamily="18" charset="0"/>
+              </a:rPr>
+              <a:t>are useful </a:t>
+            </a:r>
+            <a:r>
+              <a:rPr lang="en-US" sz="2400" dirty="0">
+                <a:latin typeface="Times New Roman" panose="02020603050405020304" pitchFamily="18" charset="0"/>
+                <a:cs typeface="Times New Roman" panose="02020603050405020304" pitchFamily="18" charset="0"/>
+              </a:rPr>
+              <a:t>(and the best way to go in many situations), most systems we want to examine in the real world have more than two levels and likely contain more than two factors.</a:t>
+            </a:r>
+          </a:p>
+          <a:p>
+            <a:r>
+              <a:rPr lang="en-US" sz="2400" dirty="0">
+                <a:latin typeface="Times New Roman" panose="02020603050405020304" pitchFamily="18" charset="0"/>
+                <a:cs typeface="Times New Roman" panose="02020603050405020304" pitchFamily="18" charset="0"/>
+              </a:rPr>
+              <a:t>ANOVA is one type of statistical model that can handle: </a:t>
+            </a:r>
+            <a:r>
+              <a:rPr lang="en-US" sz="2400" dirty="0">
+                <a:solidFill>
+                  <a:srgbClr val="FF0000"/>
+                </a:solidFill>
+                <a:latin typeface="Times New Roman" panose="02020603050405020304" pitchFamily="18" charset="0"/>
+                <a:cs typeface="Times New Roman" panose="02020603050405020304" pitchFamily="18" charset="0"/>
+              </a:rPr>
+              <a:t>Predictors with multiple levels</a:t>
+            </a:r>
+            <a:r>
+              <a:rPr lang="en-US" sz="2400" dirty="0">
+                <a:latin typeface="Times New Roman" panose="02020603050405020304" pitchFamily="18" charset="0"/>
+                <a:cs typeface="Times New Roman" panose="02020603050405020304" pitchFamily="18" charset="0"/>
+              </a:rPr>
+              <a:t>, </a:t>
+            </a:r>
+            <a:r>
+              <a:rPr lang="en-US" sz="2400" dirty="0">
+                <a:solidFill>
+                  <a:srgbClr val="FF0000"/>
+                </a:solidFill>
+                <a:latin typeface="Times New Roman" panose="02020603050405020304" pitchFamily="18" charset="0"/>
+                <a:cs typeface="Times New Roman" panose="02020603050405020304" pitchFamily="18" charset="0"/>
+              </a:rPr>
+              <a:t>multiple predictors</a:t>
+            </a:r>
+            <a:r>
+              <a:rPr lang="en-US" sz="2400" dirty="0">
+                <a:latin typeface="Times New Roman" panose="02020603050405020304" pitchFamily="18" charset="0"/>
+                <a:cs typeface="Times New Roman" panose="02020603050405020304" pitchFamily="18" charset="0"/>
+              </a:rPr>
+              <a:t>, </a:t>
+            </a:r>
+            <a:r>
+              <a:rPr lang="en-US" sz="2400" dirty="0">
+                <a:solidFill>
+                  <a:srgbClr val="FF0000"/>
+                </a:solidFill>
+                <a:latin typeface="Times New Roman" panose="02020603050405020304" pitchFamily="18" charset="0"/>
+                <a:cs typeface="Times New Roman" panose="02020603050405020304" pitchFamily="18" charset="0"/>
+              </a:rPr>
+              <a:t>interactions between predictors</a:t>
+            </a:r>
+            <a:r>
+              <a:rPr lang="en-US" sz="2400" dirty="0">
+                <a:latin typeface="Times New Roman" panose="02020603050405020304" pitchFamily="18" charset="0"/>
+                <a:cs typeface="Times New Roman" panose="02020603050405020304" pitchFamily="18" charset="0"/>
+              </a:rPr>
+              <a:t>, and as well see towards later in this course it can deal with designs containing random and nested factors (repeated measurement).</a:t>
             </a:r>
           </a:p>
           <a:p>
@@ -13171,8 +13589,28 @@
           <a:p>
             <a:pPr lvl="1"/>
             <a:r>
+              <a:rPr lang="en-US" dirty="0">
+                <a:solidFill>
+                  <a:srgbClr val="FF0000"/>
+                </a:solidFill>
+              </a:rPr>
+              <a:t>if multiple t-tests </a:t>
+            </a:r>
+            <a:r>
               <a:rPr lang="en-US" dirty="0"/>
-              <a:t>if multiple t-tests are conducted for several groups, it increases the risk of Type I errors (false positives), which is why ANOVA is preferred for multiple group comparisons.</a:t>
+              <a:t>are conducted for several groups, </a:t>
+            </a:r>
+            <a:r>
+              <a:rPr lang="en-US" dirty="0">
+                <a:solidFill>
+                  <a:srgbClr val="FF0000"/>
+                </a:solidFill>
+              </a:rPr>
+              <a:t>it increases the risk of Type I errors </a:t>
+            </a:r>
+            <a:r>
+              <a:rPr lang="en-US" dirty="0"/>
+              <a:t>(false positives), which is why ANOVA is preferred for multiple group comparisons.</a:t>
             </a:r>
           </a:p>
         </p:txBody>
@@ -14548,12 +14986,22 @@
         </p:spPr>
         <p:txBody>
           <a:bodyPr>
-            <a:normAutofit fontScale="92500" lnSpcReduction="10000"/>
+            <a:normAutofit fontScale="92500" lnSpcReduction="20000"/>
           </a:bodyPr>
           <a:lstStyle/>
           <a:p>
             <a:r>
               <a:rPr lang="en-US" dirty="0"/>
+              <a:t>T-Test (upgrade) </a:t>
+            </a:r>
+            <a:r>
+              <a:rPr lang="en-US" dirty="0">
+                <a:sym typeface="Wingdings" panose="05000000000000000000" pitchFamily="2" charset="2"/>
+              </a:rPr>
+              <a:t> </a:t>
+            </a:r>
+            <a:r>
+              <a:rPr lang="en-US" b="1" dirty="0"/>
               <a:t>One-Way ANOVA</a:t>
             </a:r>
           </a:p>
@@ -14574,25 +15022,87 @@
             <a:pPr lvl="1"/>
             <a:r>
               <a:rPr lang="en-US" dirty="0"/>
-              <a:t>Investigates the effect of two independent variables (with two or more levels each) on a dependent variable.</a:t>
-            </a:r>
-          </a:p>
-          <a:p>
+              <a:t>Investigates the effect of </a:t>
+            </a:r>
+            <a:r>
+              <a:rPr lang="en-US" b="1" dirty="0">
+                <a:solidFill>
+                  <a:srgbClr val="FF0000"/>
+                </a:solidFill>
+              </a:rPr>
+              <a:t>two independent variables </a:t>
+            </a:r>
+            <a:r>
+              <a:rPr lang="en-US" dirty="0">
+                <a:solidFill>
+                  <a:schemeClr val="accent1">
+                    <a:lumMod val="75000"/>
+                  </a:schemeClr>
+                </a:solidFill>
+              </a:rPr>
+              <a:t>(with two or more levels each</a:t>
+            </a:r>
             <a:r>
               <a:rPr lang="en-US" dirty="0"/>
-              <a:t>Repeated Measures ANOVA</a:t>
+              <a:t>) on a dependent variable.</a:t>
+            </a:r>
+          </a:p>
+          <a:p>
+            <a:r>
+              <a:rPr lang="en-US" dirty="0">
+                <a:solidFill>
+                  <a:schemeClr val="accent1">
+                    <a:lumMod val="75000"/>
+                  </a:schemeClr>
+                </a:solidFill>
+              </a:rPr>
+              <a:t>Repeated Measures ANOVA?</a:t>
             </a:r>
           </a:p>
           <a:p>
             <a:pPr lvl="1"/>
             <a:r>
               <a:rPr lang="en-US" dirty="0"/>
-              <a:t>Used when the same participants are measured multiple times under different conditions or at different times.</a:t>
-            </a:r>
-          </a:p>
-          <a:p>
+              <a:t>Used when the same participants are measured multiple times </a:t>
+            </a:r>
+            <a:r>
+              <a:rPr lang="en-US" dirty="0">
+                <a:solidFill>
+                  <a:schemeClr val="accent5">
+                    <a:lumMod val="75000"/>
+                  </a:schemeClr>
+                </a:solidFill>
+              </a:rPr>
+              <a:t>under different conditions </a:t>
+            </a:r>
             <a:r>
               <a:rPr lang="en-US" dirty="0"/>
+              <a:t>or </a:t>
+            </a:r>
+            <a:r>
+              <a:rPr lang="en-US" dirty="0">
+                <a:solidFill>
+                  <a:schemeClr val="accent5">
+                    <a:lumMod val="75000"/>
+                  </a:schemeClr>
+                </a:solidFill>
+              </a:rPr>
+              <a:t>at different times</a:t>
+            </a:r>
+            <a:r>
+              <a:rPr lang="en-US" dirty="0"/>
+              <a:t>.</a:t>
+            </a:r>
+          </a:p>
+          <a:p>
+            <a:r>
+              <a:rPr lang="en-US" dirty="0">
+                <a:solidFill>
+                  <a:schemeClr val="accent5">
+                    <a:lumMod val="75000"/>
+                  </a:schemeClr>
+                </a:solidFill>
+              </a:rPr>
               <a:t>Mixed-Effects ANOVA</a:t>
             </a:r>
           </a:p>
@@ -14600,7 +15110,42 @@
             <a:pPr lvl="1"/>
             <a:r>
               <a:rPr lang="en-US" dirty="0"/>
-              <a:t>Combines both between-subjects factors (independent variables with different participants for each level) and within-subjects factors (repeated measures on the same participants).</a:t>
+              <a:t>Combines both </a:t>
+            </a:r>
+            <a:r>
+              <a:rPr lang="en-US" b="1" dirty="0">
+                <a:solidFill>
+                  <a:schemeClr val="accent5">
+                    <a:lumMod val="75000"/>
+                  </a:schemeClr>
+                </a:solidFill>
+              </a:rPr>
+              <a:t>between-subjects factors </a:t>
+            </a:r>
+            <a:r>
+              <a:rPr lang="en-US" dirty="0"/>
+              <a:t>(independent variables with different participants for each level) and </a:t>
+            </a:r>
+            <a:r>
+              <a:rPr lang="en-US" b="1" dirty="0">
+                <a:solidFill>
+                  <a:schemeClr val="accent5">
+                    <a:lumMod val="75000"/>
+                  </a:schemeClr>
+                </a:solidFill>
+              </a:rPr>
+              <a:t>within-subjects factors </a:t>
+            </a:r>
+            <a:r>
+              <a:rPr lang="en-US" dirty="0"/>
+              <a:t>(repeated measures on the same participants). </a:t>
+            </a:r>
+          </a:p>
+          <a:p>
+            <a:pPr lvl="1"/>
+            <a:r>
+              <a:rPr lang="en-US" dirty="0"/>
+              <a:t>A special feature belongs to Subject001, should not be assigned to subject002.</a:t>
             </a:r>
           </a:p>
         </p:txBody>
